--- a/illusts.pptx
+++ b/illusts.pptx
@@ -5,7 +5,7 @@
     <p:sldMasterId id="2147483648" r:id="rId1"/>
   </p:sldMasterIdLst>
   <p:notesMasterIdLst>
-    <p:notesMasterId r:id="rId7"/>
+    <p:notesMasterId r:id="rId9"/>
   </p:notesMasterIdLst>
   <p:sldIdLst>
     <p:sldId id="257" r:id="rId2"/>
@@ -13,6 +13,8 @@
     <p:sldId id="259" r:id="rId4"/>
     <p:sldId id="261" r:id="rId5"/>
     <p:sldId id="262" r:id="rId6"/>
+    <p:sldId id="265" r:id="rId7"/>
+    <p:sldId id="263" r:id="rId8"/>
   </p:sldIdLst>
   <p:sldSz cx="12192000" cy="6858000"/>
   <p:notesSz cx="6858000" cy="9144000"/>
@@ -12749,6 +12751,1325 @@
 </p:sld>
 </file>
 
+<file path=ppt/slides/slide6.xml><?xml version="1.0" encoding="utf-8"?>
+<p:sld xmlns:a="http://schemas.openxmlformats.org/drawingml/2006/main" xmlns:r="http://schemas.openxmlformats.org/officeDocument/2006/relationships" xmlns:p="http://schemas.openxmlformats.org/presentationml/2006/main">
+  <p:cSld>
+    <p:spTree>
+      <p:nvGrpSpPr>
+        <p:cNvPr id="1" name=""/>
+        <p:cNvGrpSpPr/>
+        <p:nvPr/>
+      </p:nvGrpSpPr>
+      <p:grpSpPr>
+        <a:xfrm>
+          <a:off x="0" y="0"/>
+          <a:ext cx="0" cy="0"/>
+          <a:chOff x="0" y="0"/>
+          <a:chExt cx="0" cy="0"/>
+        </a:xfrm>
+      </p:grpSpPr>
+      <p:sp>
+        <p:nvSpPr>
+          <p:cNvPr id="18" name="テキスト ボックス 17">
+            <a:extLst>
+              <a:ext uri="{FF2B5EF4-FFF2-40B4-BE49-F238E27FC236}">
+                <a16:creationId xmlns:a16="http://schemas.microsoft.com/office/drawing/2014/main" id="{278C2E31-1556-CE4D-BBAC-C26CC76E0F90}"/>
+              </a:ext>
+            </a:extLst>
+          </p:cNvPr>
+          <p:cNvSpPr txBox="1"/>
+          <p:nvPr/>
+        </p:nvSpPr>
+        <p:spPr>
+          <a:xfrm>
+            <a:off x="6597769" y="1534761"/>
+            <a:ext cx="505268" cy="369332"/>
+          </a:xfrm>
+          <a:prstGeom prst="rect">
+            <a:avLst/>
+          </a:prstGeom>
+          <a:noFill/>
+        </p:spPr>
+        <p:txBody>
+          <a:bodyPr wrap="none" rtlCol="0">
+            <a:spAutoFit/>
+          </a:bodyPr>
+          <a:lstStyle/>
+          <a:p>
+            <a:pPr algn="ctr"/>
+            <a:r>
+              <a:rPr kumimoji="1" lang="en-US" altLang="ja-JP" dirty="0">
+                <a:latin typeface="Arial" panose="020B0604020202020204" pitchFamily="34" charset="0"/>
+                <a:cs typeface="Arial" panose="020B0604020202020204" pitchFamily="34" charset="0"/>
+              </a:rPr>
+              <a:t>2.5</a:t>
+            </a:r>
+            <a:endParaRPr kumimoji="1" lang="ja-JP" altLang="en-US">
+              <a:latin typeface="Arial" panose="020B0604020202020204" pitchFamily="34" charset="0"/>
+              <a:cs typeface="Arial" panose="020B0604020202020204" pitchFamily="34" charset="0"/>
+            </a:endParaRPr>
+          </a:p>
+        </p:txBody>
+      </p:sp>
+      <p:sp>
+        <p:nvSpPr>
+          <p:cNvPr id="19" name="テキスト ボックス 18">
+            <a:extLst>
+              <a:ext uri="{FF2B5EF4-FFF2-40B4-BE49-F238E27FC236}">
+                <a16:creationId xmlns:a16="http://schemas.microsoft.com/office/drawing/2014/main" id="{3E52CD44-036E-B14D-90A0-DDD776795C6C}"/>
+              </a:ext>
+            </a:extLst>
+          </p:cNvPr>
+          <p:cNvSpPr txBox="1"/>
+          <p:nvPr/>
+        </p:nvSpPr>
+        <p:spPr>
+          <a:xfrm>
+            <a:off x="8163218" y="2818508"/>
+            <a:ext cx="625492" cy="369332"/>
+          </a:xfrm>
+          <a:prstGeom prst="rect">
+            <a:avLst/>
+          </a:prstGeom>
+          <a:noFill/>
+        </p:spPr>
+        <p:txBody>
+          <a:bodyPr wrap="none" rtlCol="0">
+            <a:spAutoFit/>
+          </a:bodyPr>
+          <a:lstStyle/>
+          <a:p>
+            <a:pPr algn="ctr"/>
+            <a:r>
+              <a:rPr kumimoji="1" lang="en-US" altLang="ja-JP" dirty="0">
+                <a:latin typeface="Arial" panose="020B0604020202020204" pitchFamily="34" charset="0"/>
+                <a:cs typeface="Arial" panose="020B0604020202020204" pitchFamily="34" charset="0"/>
+              </a:rPr>
+              <a:t>Φ26</a:t>
+            </a:r>
+            <a:endParaRPr kumimoji="1" lang="ja-JP" altLang="en-US">
+              <a:latin typeface="Arial" panose="020B0604020202020204" pitchFamily="34" charset="0"/>
+              <a:cs typeface="Arial" panose="020B0604020202020204" pitchFamily="34" charset="0"/>
+            </a:endParaRPr>
+          </a:p>
+        </p:txBody>
+      </p:sp>
+      <p:cxnSp>
+        <p:nvCxnSpPr>
+          <p:cNvPr id="21" name="直線コネクタ 20">
+            <a:extLst>
+              <a:ext uri="{FF2B5EF4-FFF2-40B4-BE49-F238E27FC236}">
+                <a16:creationId xmlns:a16="http://schemas.microsoft.com/office/drawing/2014/main" id="{3239B382-D054-4746-AEBA-74F6FEC162F0}"/>
+              </a:ext>
+            </a:extLst>
+          </p:cNvPr>
+          <p:cNvCxnSpPr>
+            <a:cxnSpLocks/>
+          </p:cNvCxnSpPr>
+          <p:nvPr/>
+        </p:nvCxnSpPr>
+        <p:spPr>
+          <a:xfrm flipV="1">
+            <a:off x="7729694" y="2994409"/>
+            <a:ext cx="168671" cy="550147"/>
+          </a:xfrm>
+          <a:prstGeom prst="line">
+            <a:avLst/>
+          </a:prstGeom>
+          <a:ln w="12700">
+            <a:solidFill>
+              <a:schemeClr val="tx1"/>
+            </a:solidFill>
+          </a:ln>
+        </p:spPr>
+        <p:style>
+          <a:lnRef idx="1">
+            <a:schemeClr val="accent1"/>
+          </a:lnRef>
+          <a:fillRef idx="0">
+            <a:schemeClr val="accent1"/>
+          </a:fillRef>
+          <a:effectRef idx="0">
+            <a:schemeClr val="accent1"/>
+          </a:effectRef>
+          <a:fontRef idx="minor">
+            <a:schemeClr val="tx1"/>
+          </a:fontRef>
+        </p:style>
+      </p:cxnSp>
+      <p:cxnSp>
+        <p:nvCxnSpPr>
+          <p:cNvPr id="22" name="直線コネクタ 21">
+            <a:extLst>
+              <a:ext uri="{FF2B5EF4-FFF2-40B4-BE49-F238E27FC236}">
+                <a16:creationId xmlns:a16="http://schemas.microsoft.com/office/drawing/2014/main" id="{E873D068-BB0C-754B-834C-201181367776}"/>
+              </a:ext>
+            </a:extLst>
+          </p:cNvPr>
+          <p:cNvCxnSpPr>
+            <a:cxnSpLocks/>
+            <a:endCxn id="19" idx="1"/>
+          </p:cNvCxnSpPr>
+          <p:nvPr/>
+        </p:nvCxnSpPr>
+        <p:spPr>
+          <a:xfrm>
+            <a:off x="7898365" y="3003174"/>
+            <a:ext cx="264853" cy="0"/>
+          </a:xfrm>
+          <a:prstGeom prst="line">
+            <a:avLst/>
+          </a:prstGeom>
+          <a:ln w="12700">
+            <a:solidFill>
+              <a:schemeClr val="tx1"/>
+            </a:solidFill>
+          </a:ln>
+        </p:spPr>
+        <p:style>
+          <a:lnRef idx="1">
+            <a:schemeClr val="accent1"/>
+          </a:lnRef>
+          <a:fillRef idx="0">
+            <a:schemeClr val="accent1"/>
+          </a:fillRef>
+          <a:effectRef idx="0">
+            <a:schemeClr val="accent1"/>
+          </a:effectRef>
+          <a:fontRef idx="minor">
+            <a:schemeClr val="tx1"/>
+          </a:fontRef>
+        </p:style>
+      </p:cxnSp>
+      <p:sp>
+        <p:nvSpPr>
+          <p:cNvPr id="6" name="アーチ 5">
+            <a:extLst>
+              <a:ext uri="{FF2B5EF4-FFF2-40B4-BE49-F238E27FC236}">
+                <a16:creationId xmlns:a16="http://schemas.microsoft.com/office/drawing/2014/main" id="{C8276A62-DDCF-9D4A-93E6-6691A5B4B669}"/>
+              </a:ext>
+            </a:extLst>
+          </p:cNvPr>
+          <p:cNvSpPr/>
+          <p:nvPr/>
+        </p:nvSpPr>
+        <p:spPr>
+          <a:xfrm rot="10800000">
+            <a:off x="4462304" y="1910861"/>
+            <a:ext cx="3267389" cy="3267389"/>
+          </a:xfrm>
+          <a:prstGeom prst="blockArc">
+            <a:avLst>
+              <a:gd name="adj1" fmla="val 5685876"/>
+              <a:gd name="adj2" fmla="val 5027296"/>
+              <a:gd name="adj3" fmla="val 0"/>
+            </a:avLst>
+          </a:prstGeom>
+          <a:noFill/>
+          <a:ln>
+            <a:solidFill>
+              <a:schemeClr val="tx1"/>
+            </a:solidFill>
+          </a:ln>
+        </p:spPr>
+        <p:style>
+          <a:lnRef idx="2">
+            <a:schemeClr val="accent1">
+              <a:shade val="50000"/>
+            </a:schemeClr>
+          </a:lnRef>
+          <a:fillRef idx="1">
+            <a:schemeClr val="accent1"/>
+          </a:fillRef>
+          <a:effectRef idx="0">
+            <a:schemeClr val="accent1"/>
+          </a:effectRef>
+          <a:fontRef idx="minor">
+            <a:schemeClr val="lt1"/>
+          </a:fontRef>
+        </p:style>
+        <p:txBody>
+          <a:bodyPr rtlCol="0" anchor="ctr"/>
+          <a:lstStyle/>
+          <a:p>
+            <a:pPr algn="ctr"/>
+            <a:endParaRPr kumimoji="1" lang="ja-JP" altLang="en-US">
+              <a:solidFill>
+                <a:schemeClr val="tx1"/>
+              </a:solidFill>
+            </a:endParaRPr>
+          </a:p>
+        </p:txBody>
+      </p:sp>
+      <p:sp>
+        <p:nvSpPr>
+          <p:cNvPr id="15" name="アーチ 14">
+            <a:extLst>
+              <a:ext uri="{FF2B5EF4-FFF2-40B4-BE49-F238E27FC236}">
+                <a16:creationId xmlns:a16="http://schemas.microsoft.com/office/drawing/2014/main" id="{3EE1CD2D-8CBB-0844-83BA-8469D08357F7}"/>
+              </a:ext>
+            </a:extLst>
+          </p:cNvPr>
+          <p:cNvSpPr/>
+          <p:nvPr/>
+        </p:nvSpPr>
+        <p:spPr>
+          <a:xfrm rot="10800000">
+            <a:off x="4622839" y="2066585"/>
+            <a:ext cx="2946317" cy="2955940"/>
+          </a:xfrm>
+          <a:prstGeom prst="blockArc">
+            <a:avLst>
+              <a:gd name="adj1" fmla="val 5697216"/>
+              <a:gd name="adj2" fmla="val 4999859"/>
+              <a:gd name="adj3" fmla="val 85"/>
+            </a:avLst>
+          </a:prstGeom>
+          <a:noFill/>
+          <a:ln>
+            <a:solidFill>
+              <a:schemeClr val="tx1"/>
+            </a:solidFill>
+          </a:ln>
+        </p:spPr>
+        <p:style>
+          <a:lnRef idx="2">
+            <a:schemeClr val="accent1">
+              <a:shade val="50000"/>
+            </a:schemeClr>
+          </a:lnRef>
+          <a:fillRef idx="1">
+            <a:schemeClr val="accent1"/>
+          </a:fillRef>
+          <a:effectRef idx="0">
+            <a:schemeClr val="accent1"/>
+          </a:effectRef>
+          <a:fontRef idx="minor">
+            <a:schemeClr val="lt1"/>
+          </a:fontRef>
+        </p:style>
+        <p:txBody>
+          <a:bodyPr rtlCol="0" anchor="ctr"/>
+          <a:lstStyle/>
+          <a:p>
+            <a:pPr algn="ctr"/>
+            <a:endParaRPr kumimoji="1" lang="ja-JP" altLang="en-US">
+              <a:solidFill>
+                <a:schemeClr val="tx1"/>
+              </a:solidFill>
+            </a:endParaRPr>
+          </a:p>
+        </p:txBody>
+      </p:sp>
+      <p:cxnSp>
+        <p:nvCxnSpPr>
+          <p:cNvPr id="9" name="直線コネクタ 8">
+            <a:extLst>
+              <a:ext uri="{FF2B5EF4-FFF2-40B4-BE49-F238E27FC236}">
+                <a16:creationId xmlns:a16="http://schemas.microsoft.com/office/drawing/2014/main" id="{1CB7270E-A819-4349-A949-9103BAED378E}"/>
+              </a:ext>
+            </a:extLst>
+          </p:cNvPr>
+          <p:cNvCxnSpPr/>
+          <p:nvPr/>
+        </p:nvCxnSpPr>
+        <p:spPr>
+          <a:xfrm>
+            <a:off x="5966460" y="1910861"/>
+            <a:ext cx="0" cy="155724"/>
+          </a:xfrm>
+          <a:prstGeom prst="line">
+            <a:avLst/>
+          </a:prstGeom>
+          <a:ln w="12700">
+            <a:solidFill>
+              <a:schemeClr val="tx1"/>
+            </a:solidFill>
+          </a:ln>
+        </p:spPr>
+        <p:style>
+          <a:lnRef idx="1">
+            <a:schemeClr val="accent1"/>
+          </a:lnRef>
+          <a:fillRef idx="0">
+            <a:schemeClr val="accent1"/>
+          </a:fillRef>
+          <a:effectRef idx="0">
+            <a:schemeClr val="accent1"/>
+          </a:effectRef>
+          <a:fontRef idx="minor">
+            <a:schemeClr val="tx1"/>
+          </a:fontRef>
+        </p:style>
+      </p:cxnSp>
+      <p:cxnSp>
+        <p:nvCxnSpPr>
+          <p:cNvPr id="20" name="直線コネクタ 19">
+            <a:extLst>
+              <a:ext uri="{FF2B5EF4-FFF2-40B4-BE49-F238E27FC236}">
+                <a16:creationId xmlns:a16="http://schemas.microsoft.com/office/drawing/2014/main" id="{C0CCCAFB-865B-4D4B-A75C-7FC86891464B}"/>
+              </a:ext>
+            </a:extLst>
+          </p:cNvPr>
+          <p:cNvCxnSpPr/>
+          <p:nvPr/>
+        </p:nvCxnSpPr>
+        <p:spPr>
+          <a:xfrm>
+            <a:off x="6221730" y="1910861"/>
+            <a:ext cx="0" cy="155724"/>
+          </a:xfrm>
+          <a:prstGeom prst="line">
+            <a:avLst/>
+          </a:prstGeom>
+          <a:ln w="12700">
+            <a:solidFill>
+              <a:schemeClr val="tx1"/>
+            </a:solidFill>
+          </a:ln>
+        </p:spPr>
+        <p:style>
+          <a:lnRef idx="1">
+            <a:schemeClr val="accent1"/>
+          </a:lnRef>
+          <a:fillRef idx="0">
+            <a:schemeClr val="accent1"/>
+          </a:fillRef>
+          <a:effectRef idx="0">
+            <a:schemeClr val="accent1"/>
+          </a:effectRef>
+          <a:fontRef idx="minor">
+            <a:schemeClr val="tx1"/>
+          </a:fontRef>
+        </p:style>
+      </p:cxnSp>
+      <p:cxnSp>
+        <p:nvCxnSpPr>
+          <p:cNvPr id="11" name="直線矢印コネクタ 10">
+            <a:extLst>
+              <a:ext uri="{FF2B5EF4-FFF2-40B4-BE49-F238E27FC236}">
+                <a16:creationId xmlns:a16="http://schemas.microsoft.com/office/drawing/2014/main" id="{35E5F5E0-0ADE-9445-B3F0-D950963A51E3}"/>
+              </a:ext>
+            </a:extLst>
+          </p:cNvPr>
+          <p:cNvCxnSpPr>
+            <a:cxnSpLocks/>
+          </p:cNvCxnSpPr>
+          <p:nvPr/>
+        </p:nvCxnSpPr>
+        <p:spPr>
+          <a:xfrm>
+            <a:off x="5594959" y="1719427"/>
+            <a:ext cx="376039" cy="0"/>
+          </a:xfrm>
+          <a:prstGeom prst="straightConnector1">
+            <a:avLst/>
+          </a:prstGeom>
+          <a:ln>
+            <a:solidFill>
+              <a:schemeClr val="tx1"/>
+            </a:solidFill>
+            <a:headEnd type="none" w="med" len="med"/>
+            <a:tailEnd type="triangle" w="med" len="med"/>
+          </a:ln>
+        </p:spPr>
+        <p:style>
+          <a:lnRef idx="1">
+            <a:schemeClr val="accent1"/>
+          </a:lnRef>
+          <a:fillRef idx="0">
+            <a:schemeClr val="accent1"/>
+          </a:fillRef>
+          <a:effectRef idx="0">
+            <a:schemeClr val="accent1"/>
+          </a:effectRef>
+          <a:fontRef idx="minor">
+            <a:schemeClr val="tx1"/>
+          </a:fontRef>
+        </p:style>
+      </p:cxnSp>
+      <p:cxnSp>
+        <p:nvCxnSpPr>
+          <p:cNvPr id="23" name="直線コネクタ 22">
+            <a:extLst>
+              <a:ext uri="{FF2B5EF4-FFF2-40B4-BE49-F238E27FC236}">
+                <a16:creationId xmlns:a16="http://schemas.microsoft.com/office/drawing/2014/main" id="{4C3F8182-E594-744B-80FE-276EA436B485}"/>
+              </a:ext>
+            </a:extLst>
+          </p:cNvPr>
+          <p:cNvCxnSpPr>
+            <a:cxnSpLocks/>
+          </p:cNvCxnSpPr>
+          <p:nvPr/>
+        </p:nvCxnSpPr>
+        <p:spPr>
+          <a:xfrm>
+            <a:off x="5966460" y="1648333"/>
+            <a:ext cx="0" cy="262528"/>
+          </a:xfrm>
+          <a:prstGeom prst="line">
+            <a:avLst/>
+          </a:prstGeom>
+          <a:ln w="6350">
+            <a:solidFill>
+              <a:schemeClr val="tx1"/>
+            </a:solidFill>
+          </a:ln>
+        </p:spPr>
+        <p:style>
+          <a:lnRef idx="1">
+            <a:schemeClr val="accent1"/>
+          </a:lnRef>
+          <a:fillRef idx="0">
+            <a:schemeClr val="accent1"/>
+          </a:fillRef>
+          <a:effectRef idx="0">
+            <a:schemeClr val="accent1"/>
+          </a:effectRef>
+          <a:fontRef idx="minor">
+            <a:schemeClr val="tx1"/>
+          </a:fontRef>
+        </p:style>
+      </p:cxnSp>
+      <p:cxnSp>
+        <p:nvCxnSpPr>
+          <p:cNvPr id="24" name="直線コネクタ 23">
+            <a:extLst>
+              <a:ext uri="{FF2B5EF4-FFF2-40B4-BE49-F238E27FC236}">
+                <a16:creationId xmlns:a16="http://schemas.microsoft.com/office/drawing/2014/main" id="{DDE5C936-C682-6F4E-8214-51FA63AADCEB}"/>
+              </a:ext>
+            </a:extLst>
+          </p:cNvPr>
+          <p:cNvCxnSpPr>
+            <a:cxnSpLocks/>
+          </p:cNvCxnSpPr>
+          <p:nvPr/>
+        </p:nvCxnSpPr>
+        <p:spPr>
+          <a:xfrm>
+            <a:off x="6221730" y="1648333"/>
+            <a:ext cx="0" cy="268759"/>
+          </a:xfrm>
+          <a:prstGeom prst="line">
+            <a:avLst/>
+          </a:prstGeom>
+          <a:ln w="6350">
+            <a:solidFill>
+              <a:schemeClr val="tx1"/>
+            </a:solidFill>
+          </a:ln>
+        </p:spPr>
+        <p:style>
+          <a:lnRef idx="1">
+            <a:schemeClr val="accent1"/>
+          </a:lnRef>
+          <a:fillRef idx="0">
+            <a:schemeClr val="accent1"/>
+          </a:fillRef>
+          <a:effectRef idx="0">
+            <a:schemeClr val="accent1"/>
+          </a:effectRef>
+          <a:fontRef idx="minor">
+            <a:schemeClr val="tx1"/>
+          </a:fontRef>
+        </p:style>
+      </p:cxnSp>
+      <p:cxnSp>
+        <p:nvCxnSpPr>
+          <p:cNvPr id="28" name="直線矢印コネクタ 27">
+            <a:extLst>
+              <a:ext uri="{FF2B5EF4-FFF2-40B4-BE49-F238E27FC236}">
+                <a16:creationId xmlns:a16="http://schemas.microsoft.com/office/drawing/2014/main" id="{A351BD70-75E8-F947-834D-95779581A105}"/>
+              </a:ext>
+            </a:extLst>
+          </p:cNvPr>
+          <p:cNvCxnSpPr>
+            <a:cxnSpLocks/>
+          </p:cNvCxnSpPr>
+          <p:nvPr/>
+        </p:nvCxnSpPr>
+        <p:spPr>
+          <a:xfrm>
+            <a:off x="6221730" y="1719427"/>
+            <a:ext cx="376039" cy="0"/>
+          </a:xfrm>
+          <a:prstGeom prst="straightConnector1">
+            <a:avLst/>
+          </a:prstGeom>
+          <a:ln>
+            <a:solidFill>
+              <a:schemeClr val="tx1"/>
+            </a:solidFill>
+            <a:headEnd type="triangle" w="med" len="med"/>
+            <a:tailEnd type="none" w="med" len="med"/>
+          </a:ln>
+        </p:spPr>
+        <p:style>
+          <a:lnRef idx="1">
+            <a:schemeClr val="accent1"/>
+          </a:lnRef>
+          <a:fillRef idx="0">
+            <a:schemeClr val="accent1"/>
+          </a:fillRef>
+          <a:effectRef idx="0">
+            <a:schemeClr val="accent1"/>
+          </a:effectRef>
+          <a:fontRef idx="minor">
+            <a:schemeClr val="tx1"/>
+          </a:fontRef>
+        </p:style>
+      </p:cxnSp>
+      <p:cxnSp>
+        <p:nvCxnSpPr>
+          <p:cNvPr id="29" name="直線コネクタ 28">
+            <a:extLst>
+              <a:ext uri="{FF2B5EF4-FFF2-40B4-BE49-F238E27FC236}">
+                <a16:creationId xmlns:a16="http://schemas.microsoft.com/office/drawing/2014/main" id="{00C9AE33-85BE-CB44-89AA-948F15761E38}"/>
+              </a:ext>
+            </a:extLst>
+          </p:cNvPr>
+          <p:cNvCxnSpPr>
+            <a:cxnSpLocks/>
+          </p:cNvCxnSpPr>
+          <p:nvPr/>
+        </p:nvCxnSpPr>
+        <p:spPr>
+          <a:xfrm flipV="1">
+            <a:off x="7569156" y="2483482"/>
+            <a:ext cx="301098" cy="1061074"/>
+          </a:xfrm>
+          <a:prstGeom prst="line">
+            <a:avLst/>
+          </a:prstGeom>
+          <a:ln w="12700">
+            <a:solidFill>
+              <a:schemeClr val="tx1"/>
+            </a:solidFill>
+          </a:ln>
+        </p:spPr>
+        <p:style>
+          <a:lnRef idx="1">
+            <a:schemeClr val="accent1"/>
+          </a:lnRef>
+          <a:fillRef idx="0">
+            <a:schemeClr val="accent1"/>
+          </a:fillRef>
+          <a:effectRef idx="0">
+            <a:schemeClr val="accent1"/>
+          </a:effectRef>
+          <a:fontRef idx="minor">
+            <a:schemeClr val="tx1"/>
+          </a:fontRef>
+        </p:style>
+      </p:cxnSp>
+      <p:cxnSp>
+        <p:nvCxnSpPr>
+          <p:cNvPr id="30" name="直線コネクタ 29">
+            <a:extLst>
+              <a:ext uri="{FF2B5EF4-FFF2-40B4-BE49-F238E27FC236}">
+                <a16:creationId xmlns:a16="http://schemas.microsoft.com/office/drawing/2014/main" id="{CF997EED-739D-904D-AF78-1CCA84B4D34B}"/>
+              </a:ext>
+            </a:extLst>
+          </p:cNvPr>
+          <p:cNvCxnSpPr>
+            <a:cxnSpLocks/>
+          </p:cNvCxnSpPr>
+          <p:nvPr/>
+        </p:nvCxnSpPr>
+        <p:spPr>
+          <a:xfrm>
+            <a:off x="7870254" y="2492244"/>
+            <a:ext cx="264853" cy="0"/>
+          </a:xfrm>
+          <a:prstGeom prst="line">
+            <a:avLst/>
+          </a:prstGeom>
+          <a:ln w="12700">
+            <a:solidFill>
+              <a:schemeClr val="tx1"/>
+            </a:solidFill>
+          </a:ln>
+        </p:spPr>
+        <p:style>
+          <a:lnRef idx="1">
+            <a:schemeClr val="accent1"/>
+          </a:lnRef>
+          <a:fillRef idx="0">
+            <a:schemeClr val="accent1"/>
+          </a:fillRef>
+          <a:effectRef idx="0">
+            <a:schemeClr val="accent1"/>
+          </a:effectRef>
+          <a:fontRef idx="minor">
+            <a:schemeClr val="tx1"/>
+          </a:fontRef>
+        </p:style>
+      </p:cxnSp>
+      <p:sp>
+        <p:nvSpPr>
+          <p:cNvPr id="35" name="テキスト ボックス 34">
+            <a:extLst>
+              <a:ext uri="{FF2B5EF4-FFF2-40B4-BE49-F238E27FC236}">
+                <a16:creationId xmlns:a16="http://schemas.microsoft.com/office/drawing/2014/main" id="{6ABFE26A-49EA-C54E-BB2E-7140A936E6C3}"/>
+              </a:ext>
+            </a:extLst>
+          </p:cNvPr>
+          <p:cNvSpPr txBox="1"/>
+          <p:nvPr/>
+        </p:nvSpPr>
+        <p:spPr>
+          <a:xfrm>
+            <a:off x="8306687" y="2307578"/>
+            <a:ext cx="338554" cy="369332"/>
+          </a:xfrm>
+          <a:prstGeom prst="rect">
+            <a:avLst/>
+          </a:prstGeom>
+          <a:noFill/>
+        </p:spPr>
+        <p:txBody>
+          <a:bodyPr wrap="none" rtlCol="0">
+            <a:spAutoFit/>
+          </a:bodyPr>
+          <a:lstStyle/>
+          <a:p>
+            <a:pPr algn="ctr"/>
+            <a:r>
+              <a:rPr kumimoji="1" lang="en-US" altLang="ja-JP" dirty="0">
+                <a:latin typeface="Arial" panose="020B0604020202020204" pitchFamily="34" charset="0"/>
+                <a:cs typeface="Arial" panose="020B0604020202020204" pitchFamily="34" charset="0"/>
+              </a:rPr>
+              <a:t>A</a:t>
+            </a:r>
+            <a:endParaRPr kumimoji="1" lang="ja-JP" altLang="en-US">
+              <a:latin typeface="Arial" panose="020B0604020202020204" pitchFamily="34" charset="0"/>
+              <a:cs typeface="Arial" panose="020B0604020202020204" pitchFamily="34" charset="0"/>
+            </a:endParaRPr>
+          </a:p>
+        </p:txBody>
+      </p:sp>
+    </p:spTree>
+    <p:extLst>
+      <p:ext uri="{BB962C8B-B14F-4D97-AF65-F5344CB8AC3E}">
+        <p14:creationId xmlns:p14="http://schemas.microsoft.com/office/powerpoint/2010/main" val="1907748393"/>
+      </p:ext>
+    </p:extLst>
+  </p:cSld>
+  <p:clrMapOvr>
+    <a:masterClrMapping/>
+  </p:clrMapOvr>
+</p:sld>
+</file>
+
+<file path=ppt/slides/slide7.xml><?xml version="1.0" encoding="utf-8"?>
+<p:sld xmlns:a="http://schemas.openxmlformats.org/drawingml/2006/main" xmlns:r="http://schemas.openxmlformats.org/officeDocument/2006/relationships" xmlns:p="http://schemas.openxmlformats.org/presentationml/2006/main">
+  <p:cSld>
+    <p:spTree>
+      <p:nvGrpSpPr>
+        <p:cNvPr id="1" name=""/>
+        <p:cNvGrpSpPr/>
+        <p:nvPr/>
+      </p:nvGrpSpPr>
+      <p:grpSpPr>
+        <a:xfrm>
+          <a:off x="0" y="0"/>
+          <a:ext cx="0" cy="0"/>
+          <a:chOff x="0" y="0"/>
+          <a:chExt cx="0" cy="0"/>
+        </a:xfrm>
+      </p:grpSpPr>
+      <p:sp>
+        <p:nvSpPr>
+          <p:cNvPr id="2" name="円/楕円 1">
+            <a:extLst>
+              <a:ext uri="{FF2B5EF4-FFF2-40B4-BE49-F238E27FC236}">
+                <a16:creationId xmlns:a16="http://schemas.microsoft.com/office/drawing/2014/main" id="{BE45010A-E1C1-464A-BC64-24B0F98B683C}"/>
+              </a:ext>
+            </a:extLst>
+          </p:cNvPr>
+          <p:cNvSpPr/>
+          <p:nvPr/>
+        </p:nvSpPr>
+        <p:spPr>
+          <a:xfrm>
+            <a:off x="5925177" y="1740039"/>
+            <a:ext cx="341644" cy="341644"/>
+          </a:xfrm>
+          <a:prstGeom prst="ellipse">
+            <a:avLst/>
+          </a:prstGeom>
+          <a:noFill/>
+          <a:ln w="19050">
+            <a:solidFill>
+              <a:schemeClr val="tx1"/>
+            </a:solidFill>
+          </a:ln>
+        </p:spPr>
+        <p:style>
+          <a:lnRef idx="2">
+            <a:schemeClr val="accent1">
+              <a:shade val="50000"/>
+            </a:schemeClr>
+          </a:lnRef>
+          <a:fillRef idx="1">
+            <a:schemeClr val="accent1"/>
+          </a:fillRef>
+          <a:effectRef idx="0">
+            <a:schemeClr val="accent1"/>
+          </a:effectRef>
+          <a:fontRef idx="minor">
+            <a:schemeClr val="lt1"/>
+          </a:fontRef>
+        </p:style>
+        <p:txBody>
+          <a:bodyPr rtlCol="0" anchor="ctr"/>
+          <a:lstStyle/>
+          <a:p>
+            <a:pPr algn="ctr"/>
+            <a:endParaRPr kumimoji="1" lang="ja-JP" altLang="en-US"/>
+          </a:p>
+        </p:txBody>
+      </p:sp>
+      <p:sp>
+        <p:nvSpPr>
+          <p:cNvPr id="3" name="円/楕円 2">
+            <a:extLst>
+              <a:ext uri="{FF2B5EF4-FFF2-40B4-BE49-F238E27FC236}">
+                <a16:creationId xmlns:a16="http://schemas.microsoft.com/office/drawing/2014/main" id="{48360AB3-C93C-6C42-A9AA-EC6E279AA51A}"/>
+              </a:ext>
+            </a:extLst>
+          </p:cNvPr>
+          <p:cNvSpPr/>
+          <p:nvPr/>
+        </p:nvSpPr>
+        <p:spPr>
+          <a:xfrm>
+            <a:off x="4462305" y="1910861"/>
+            <a:ext cx="3267389" cy="3267389"/>
+          </a:xfrm>
+          <a:prstGeom prst="ellipse">
+            <a:avLst/>
+          </a:prstGeom>
+          <a:noFill/>
+          <a:ln w="12700">
+            <a:solidFill>
+              <a:schemeClr val="tx1"/>
+            </a:solidFill>
+            <a:prstDash val="dash"/>
+          </a:ln>
+        </p:spPr>
+        <p:style>
+          <a:lnRef idx="2">
+            <a:schemeClr val="accent1">
+              <a:shade val="50000"/>
+            </a:schemeClr>
+          </a:lnRef>
+          <a:fillRef idx="1">
+            <a:schemeClr val="accent1"/>
+          </a:fillRef>
+          <a:effectRef idx="0">
+            <a:schemeClr val="accent1"/>
+          </a:effectRef>
+          <a:fontRef idx="minor">
+            <a:schemeClr val="lt1"/>
+          </a:fontRef>
+        </p:style>
+        <p:txBody>
+          <a:bodyPr rtlCol="0" anchor="ctr"/>
+          <a:lstStyle/>
+          <a:p>
+            <a:pPr algn="ctr"/>
+            <a:endParaRPr kumimoji="1" lang="ja-JP" altLang="en-US"/>
+          </a:p>
+        </p:txBody>
+      </p:sp>
+      <p:sp>
+        <p:nvSpPr>
+          <p:cNvPr id="4" name="円/楕円 3">
+            <a:extLst>
+              <a:ext uri="{FF2B5EF4-FFF2-40B4-BE49-F238E27FC236}">
+                <a16:creationId xmlns:a16="http://schemas.microsoft.com/office/drawing/2014/main" id="{4D216A54-6633-E845-AAD5-2E82353AFCA6}"/>
+              </a:ext>
+            </a:extLst>
+          </p:cNvPr>
+          <p:cNvSpPr/>
+          <p:nvPr/>
+        </p:nvSpPr>
+        <p:spPr>
+          <a:xfrm>
+            <a:off x="5925177" y="5007428"/>
+            <a:ext cx="341644" cy="341644"/>
+          </a:xfrm>
+          <a:prstGeom prst="ellipse">
+            <a:avLst/>
+          </a:prstGeom>
+          <a:noFill/>
+          <a:ln w="19050">
+            <a:solidFill>
+              <a:schemeClr val="tx1"/>
+            </a:solidFill>
+          </a:ln>
+        </p:spPr>
+        <p:style>
+          <a:lnRef idx="2">
+            <a:schemeClr val="accent1">
+              <a:shade val="50000"/>
+            </a:schemeClr>
+          </a:lnRef>
+          <a:fillRef idx="1">
+            <a:schemeClr val="accent1"/>
+          </a:fillRef>
+          <a:effectRef idx="0">
+            <a:schemeClr val="accent1"/>
+          </a:effectRef>
+          <a:fontRef idx="minor">
+            <a:schemeClr val="lt1"/>
+          </a:fontRef>
+        </p:style>
+        <p:txBody>
+          <a:bodyPr rtlCol="0" anchor="ctr"/>
+          <a:lstStyle/>
+          <a:p>
+            <a:pPr algn="ctr"/>
+            <a:endParaRPr kumimoji="1" lang="ja-JP" altLang="en-US"/>
+          </a:p>
+        </p:txBody>
+      </p:sp>
+      <p:sp>
+        <p:nvSpPr>
+          <p:cNvPr id="5" name="円/楕円 4">
+            <a:extLst>
+              <a:ext uri="{FF2B5EF4-FFF2-40B4-BE49-F238E27FC236}">
+                <a16:creationId xmlns:a16="http://schemas.microsoft.com/office/drawing/2014/main" id="{C79858B1-9E7E-FE49-9ED9-B3922245227C}"/>
+              </a:ext>
+            </a:extLst>
+          </p:cNvPr>
+          <p:cNvSpPr/>
+          <p:nvPr/>
+        </p:nvSpPr>
+        <p:spPr>
+          <a:xfrm>
+            <a:off x="7080374" y="4545258"/>
+            <a:ext cx="341644" cy="341644"/>
+          </a:xfrm>
+          <a:prstGeom prst="ellipse">
+            <a:avLst/>
+          </a:prstGeom>
+          <a:noFill/>
+          <a:ln w="19050">
+            <a:solidFill>
+              <a:schemeClr val="tx1"/>
+            </a:solidFill>
+          </a:ln>
+        </p:spPr>
+        <p:style>
+          <a:lnRef idx="2">
+            <a:schemeClr val="accent1">
+              <a:shade val="50000"/>
+            </a:schemeClr>
+          </a:lnRef>
+          <a:fillRef idx="1">
+            <a:schemeClr val="accent1"/>
+          </a:fillRef>
+          <a:effectRef idx="0">
+            <a:schemeClr val="accent1"/>
+          </a:effectRef>
+          <a:fontRef idx="minor">
+            <a:schemeClr val="lt1"/>
+          </a:fontRef>
+        </p:style>
+        <p:txBody>
+          <a:bodyPr rtlCol="0" anchor="ctr"/>
+          <a:lstStyle/>
+          <a:p>
+            <a:pPr algn="ctr"/>
+            <a:endParaRPr kumimoji="1" lang="ja-JP" altLang="en-US"/>
+          </a:p>
+        </p:txBody>
+      </p:sp>
+      <p:cxnSp>
+        <p:nvCxnSpPr>
+          <p:cNvPr id="7" name="直線コネクタ 6">
+            <a:extLst>
+              <a:ext uri="{FF2B5EF4-FFF2-40B4-BE49-F238E27FC236}">
+                <a16:creationId xmlns:a16="http://schemas.microsoft.com/office/drawing/2014/main" id="{81EE57E6-5551-8A40-88E9-EFFB9243372B}"/>
+              </a:ext>
+            </a:extLst>
+          </p:cNvPr>
+          <p:cNvCxnSpPr>
+            <a:cxnSpLocks/>
+            <a:stCxn id="3" idx="4"/>
+            <a:endCxn id="3" idx="0"/>
+          </p:cNvCxnSpPr>
+          <p:nvPr/>
+        </p:nvCxnSpPr>
+        <p:spPr>
+          <a:xfrm flipV="1">
+            <a:off x="6096000" y="1910861"/>
+            <a:ext cx="0" cy="3267389"/>
+          </a:xfrm>
+          <a:prstGeom prst="line">
+            <a:avLst/>
+          </a:prstGeom>
+          <a:ln w="12700">
+            <a:solidFill>
+              <a:schemeClr val="tx1"/>
+            </a:solidFill>
+            <a:prstDash val="dash"/>
+          </a:ln>
+        </p:spPr>
+        <p:style>
+          <a:lnRef idx="1">
+            <a:schemeClr val="accent1"/>
+          </a:lnRef>
+          <a:fillRef idx="0">
+            <a:schemeClr val="accent1"/>
+          </a:fillRef>
+          <a:effectRef idx="0">
+            <a:schemeClr val="accent1"/>
+          </a:effectRef>
+          <a:fontRef idx="minor">
+            <a:schemeClr val="tx1"/>
+          </a:fontRef>
+        </p:style>
+      </p:cxnSp>
+      <p:cxnSp>
+        <p:nvCxnSpPr>
+          <p:cNvPr id="14" name="直線コネクタ 13">
+            <a:extLst>
+              <a:ext uri="{FF2B5EF4-FFF2-40B4-BE49-F238E27FC236}">
+                <a16:creationId xmlns:a16="http://schemas.microsoft.com/office/drawing/2014/main" id="{FB2219BD-687C-4F47-B97E-DC148BDC1B7E}"/>
+              </a:ext>
+            </a:extLst>
+          </p:cNvPr>
+          <p:cNvCxnSpPr>
+            <a:cxnSpLocks/>
+            <a:stCxn id="3" idx="5"/>
+            <a:endCxn id="3" idx="1"/>
+          </p:cNvCxnSpPr>
+          <p:nvPr/>
+        </p:nvCxnSpPr>
+        <p:spPr>
+          <a:xfrm flipH="1" flipV="1">
+            <a:off x="4940803" y="2389359"/>
+            <a:ext cx="2310393" cy="2310393"/>
+          </a:xfrm>
+          <a:prstGeom prst="line">
+            <a:avLst/>
+          </a:prstGeom>
+          <a:ln w="12700">
+            <a:solidFill>
+              <a:schemeClr val="tx1"/>
+            </a:solidFill>
+            <a:prstDash val="dash"/>
+          </a:ln>
+        </p:spPr>
+        <p:style>
+          <a:lnRef idx="1">
+            <a:schemeClr val="accent1"/>
+          </a:lnRef>
+          <a:fillRef idx="0">
+            <a:schemeClr val="accent1"/>
+          </a:fillRef>
+          <a:effectRef idx="0">
+            <a:schemeClr val="accent1"/>
+          </a:effectRef>
+          <a:fontRef idx="minor">
+            <a:schemeClr val="tx1"/>
+          </a:fontRef>
+        </p:style>
+      </p:cxnSp>
+      <p:sp>
+        <p:nvSpPr>
+          <p:cNvPr id="18" name="テキスト ボックス 17">
+            <a:extLst>
+              <a:ext uri="{FF2B5EF4-FFF2-40B4-BE49-F238E27FC236}">
+                <a16:creationId xmlns:a16="http://schemas.microsoft.com/office/drawing/2014/main" id="{278C2E31-1556-CE4D-BBAC-C26CC76E0F90}"/>
+              </a:ext>
+            </a:extLst>
+          </p:cNvPr>
+          <p:cNvSpPr txBox="1"/>
+          <p:nvPr/>
+        </p:nvSpPr>
+        <p:spPr>
+          <a:xfrm>
+            <a:off x="5571657" y="1324262"/>
+            <a:ext cx="1048684" cy="369332"/>
+          </a:xfrm>
+          <a:prstGeom prst="rect">
+            <a:avLst/>
+          </a:prstGeom>
+          <a:noFill/>
+        </p:spPr>
+        <p:txBody>
+          <a:bodyPr wrap="none" rtlCol="0">
+            <a:spAutoFit/>
+          </a:bodyPr>
+          <a:lstStyle/>
+          <a:p>
+            <a:pPr algn="ctr"/>
+            <a:r>
+              <a:rPr kumimoji="1" lang="en-US" altLang="ja-JP" dirty="0">
+                <a:latin typeface="Arial" panose="020B0604020202020204" pitchFamily="34" charset="0"/>
+                <a:cs typeface="Arial" panose="020B0604020202020204" pitchFamily="34" charset="0"/>
+              </a:rPr>
+              <a:t>3×Φ1.5</a:t>
+            </a:r>
+            <a:endParaRPr kumimoji="1" lang="ja-JP" altLang="en-US">
+              <a:latin typeface="Arial" panose="020B0604020202020204" pitchFamily="34" charset="0"/>
+              <a:cs typeface="Arial" panose="020B0604020202020204" pitchFamily="34" charset="0"/>
+            </a:endParaRPr>
+          </a:p>
+        </p:txBody>
+      </p:sp>
+      <p:sp>
+        <p:nvSpPr>
+          <p:cNvPr id="19" name="テキスト ボックス 18">
+            <a:extLst>
+              <a:ext uri="{FF2B5EF4-FFF2-40B4-BE49-F238E27FC236}">
+                <a16:creationId xmlns:a16="http://schemas.microsoft.com/office/drawing/2014/main" id="{3E52CD44-036E-B14D-90A0-DDD776795C6C}"/>
+              </a:ext>
+            </a:extLst>
+          </p:cNvPr>
+          <p:cNvSpPr txBox="1"/>
+          <p:nvPr/>
+        </p:nvSpPr>
+        <p:spPr>
+          <a:xfrm>
+            <a:off x="8067038" y="2818508"/>
+            <a:ext cx="817853" cy="369332"/>
+          </a:xfrm>
+          <a:prstGeom prst="rect">
+            <a:avLst/>
+          </a:prstGeom>
+          <a:noFill/>
+        </p:spPr>
+        <p:txBody>
+          <a:bodyPr wrap="none" rtlCol="0">
+            <a:spAutoFit/>
+          </a:bodyPr>
+          <a:lstStyle/>
+          <a:p>
+            <a:pPr algn="ctr"/>
+            <a:r>
+              <a:rPr kumimoji="1" lang="en-US" altLang="ja-JP" dirty="0">
+                <a:latin typeface="Arial" panose="020B0604020202020204" pitchFamily="34" charset="0"/>
+                <a:cs typeface="Arial" panose="020B0604020202020204" pitchFamily="34" charset="0"/>
+              </a:rPr>
+              <a:t>Φ25.0</a:t>
+            </a:r>
+            <a:endParaRPr kumimoji="1" lang="ja-JP" altLang="en-US">
+              <a:latin typeface="Arial" panose="020B0604020202020204" pitchFamily="34" charset="0"/>
+              <a:cs typeface="Arial" panose="020B0604020202020204" pitchFamily="34" charset="0"/>
+            </a:endParaRPr>
+          </a:p>
+        </p:txBody>
+      </p:sp>
+      <p:cxnSp>
+        <p:nvCxnSpPr>
+          <p:cNvPr id="21" name="直線コネクタ 20">
+            <a:extLst>
+              <a:ext uri="{FF2B5EF4-FFF2-40B4-BE49-F238E27FC236}">
+                <a16:creationId xmlns:a16="http://schemas.microsoft.com/office/drawing/2014/main" id="{3239B382-D054-4746-AEBA-74F6FEC162F0}"/>
+              </a:ext>
+            </a:extLst>
+          </p:cNvPr>
+          <p:cNvCxnSpPr>
+            <a:stCxn id="3" idx="6"/>
+          </p:cNvCxnSpPr>
+          <p:nvPr/>
+        </p:nvCxnSpPr>
+        <p:spPr>
+          <a:xfrm flipV="1">
+            <a:off x="7729694" y="2994409"/>
+            <a:ext cx="168671" cy="550147"/>
+          </a:xfrm>
+          <a:prstGeom prst="line">
+            <a:avLst/>
+          </a:prstGeom>
+          <a:ln w="12700">
+            <a:solidFill>
+              <a:schemeClr val="tx1"/>
+            </a:solidFill>
+          </a:ln>
+        </p:spPr>
+        <p:style>
+          <a:lnRef idx="1">
+            <a:schemeClr val="accent1"/>
+          </a:lnRef>
+          <a:fillRef idx="0">
+            <a:schemeClr val="accent1"/>
+          </a:fillRef>
+          <a:effectRef idx="0">
+            <a:schemeClr val="accent1"/>
+          </a:effectRef>
+          <a:fontRef idx="minor">
+            <a:schemeClr val="tx1"/>
+          </a:fontRef>
+        </p:style>
+      </p:cxnSp>
+      <p:cxnSp>
+        <p:nvCxnSpPr>
+          <p:cNvPr id="22" name="直線コネクタ 21">
+            <a:extLst>
+              <a:ext uri="{FF2B5EF4-FFF2-40B4-BE49-F238E27FC236}">
+                <a16:creationId xmlns:a16="http://schemas.microsoft.com/office/drawing/2014/main" id="{E873D068-BB0C-754B-834C-201181367776}"/>
+              </a:ext>
+            </a:extLst>
+          </p:cNvPr>
+          <p:cNvCxnSpPr>
+            <a:cxnSpLocks/>
+            <a:endCxn id="19" idx="1"/>
+          </p:cNvCxnSpPr>
+          <p:nvPr/>
+        </p:nvCxnSpPr>
+        <p:spPr>
+          <a:xfrm>
+            <a:off x="7898365" y="3003174"/>
+            <a:ext cx="168673" cy="0"/>
+          </a:xfrm>
+          <a:prstGeom prst="line">
+            <a:avLst/>
+          </a:prstGeom>
+          <a:ln w="12700">
+            <a:solidFill>
+              <a:schemeClr val="tx1"/>
+            </a:solidFill>
+          </a:ln>
+        </p:spPr>
+        <p:style>
+          <a:lnRef idx="1">
+            <a:schemeClr val="accent1"/>
+          </a:lnRef>
+          <a:fillRef idx="0">
+            <a:schemeClr val="accent1"/>
+          </a:fillRef>
+          <a:effectRef idx="0">
+            <a:schemeClr val="accent1"/>
+          </a:effectRef>
+          <a:fontRef idx="minor">
+            <a:schemeClr val="tx1"/>
+          </a:fontRef>
+        </p:style>
+      </p:cxnSp>
+      <p:sp>
+        <p:nvSpPr>
+          <p:cNvPr id="25" name="アーチ 24">
+            <a:extLst>
+              <a:ext uri="{FF2B5EF4-FFF2-40B4-BE49-F238E27FC236}">
+                <a16:creationId xmlns:a16="http://schemas.microsoft.com/office/drawing/2014/main" id="{7DF1CB1B-7736-8A4B-B113-417D62D2B85E}"/>
+              </a:ext>
+            </a:extLst>
+          </p:cNvPr>
+          <p:cNvSpPr/>
+          <p:nvPr/>
+        </p:nvSpPr>
+        <p:spPr>
+          <a:xfrm rot="5400000">
+            <a:off x="5653108" y="3126306"/>
+            <a:ext cx="885780" cy="836499"/>
+          </a:xfrm>
+          <a:prstGeom prst="blockArc">
+            <a:avLst>
+              <a:gd name="adj1" fmla="val 18940121"/>
+              <a:gd name="adj2" fmla="val 21480308"/>
+              <a:gd name="adj3" fmla="val 0"/>
+            </a:avLst>
+          </a:prstGeom>
+          <a:solidFill>
+            <a:schemeClr val="tx1"/>
+          </a:solidFill>
+          <a:ln>
+            <a:solidFill>
+              <a:schemeClr val="tx1"/>
+            </a:solidFill>
+          </a:ln>
+        </p:spPr>
+        <p:style>
+          <a:lnRef idx="2">
+            <a:schemeClr val="accent1">
+              <a:shade val="50000"/>
+            </a:schemeClr>
+          </a:lnRef>
+          <a:fillRef idx="1">
+            <a:schemeClr val="accent1"/>
+          </a:fillRef>
+          <a:effectRef idx="0">
+            <a:schemeClr val="accent1"/>
+          </a:effectRef>
+          <a:fontRef idx="minor">
+            <a:schemeClr val="lt1"/>
+          </a:fontRef>
+        </p:style>
+        <p:txBody>
+          <a:bodyPr rtlCol="0" anchor="ctr"/>
+          <a:lstStyle/>
+          <a:p>
+            <a:pPr algn="ctr"/>
+            <a:endParaRPr kumimoji="1" lang="ja-JP" altLang="en-US">
+              <a:solidFill>
+                <a:schemeClr val="tx1"/>
+              </a:solidFill>
+            </a:endParaRPr>
+          </a:p>
+        </p:txBody>
+      </p:sp>
+      <p:sp>
+        <p:nvSpPr>
+          <p:cNvPr id="26" name="テキスト ボックス 25">
+            <a:extLst>
+              <a:ext uri="{FF2B5EF4-FFF2-40B4-BE49-F238E27FC236}">
+                <a16:creationId xmlns:a16="http://schemas.microsoft.com/office/drawing/2014/main" id="{B4925FB3-3366-BE4A-95D4-8B2BAF1B8429}"/>
+              </a:ext>
+            </a:extLst>
+          </p:cNvPr>
+          <p:cNvSpPr txBox="1"/>
+          <p:nvPr/>
+        </p:nvSpPr>
+        <p:spPr>
+          <a:xfrm>
+            <a:off x="6109138" y="3945420"/>
+            <a:ext cx="525547" cy="349702"/>
+          </a:xfrm>
+          <a:prstGeom prst="rect">
+            <a:avLst/>
+          </a:prstGeom>
+          <a:noFill/>
+        </p:spPr>
+        <p:txBody>
+          <a:bodyPr wrap="square" lIns="36000" tIns="36000" rIns="36000" bIns="36000" rtlCol="0">
+            <a:spAutoFit/>
+          </a:bodyPr>
+          <a:lstStyle/>
+          <a:p>
+            <a:pPr algn="ctr"/>
+            <a:r>
+              <a:rPr lang="en-US" altLang="ja-JP" dirty="0">
+                <a:latin typeface="Arial" panose="020B0604020202020204" pitchFamily="34" charset="0"/>
+                <a:cs typeface="Arial" panose="020B0604020202020204" pitchFamily="34" charset="0"/>
+              </a:rPr>
+              <a:t>45˚</a:t>
+            </a:r>
+            <a:endParaRPr kumimoji="1" lang="ja-JP" altLang="en-US">
+              <a:latin typeface="Arial" panose="020B0604020202020204" pitchFamily="34" charset="0"/>
+              <a:cs typeface="Arial" panose="020B0604020202020204" pitchFamily="34" charset="0"/>
+            </a:endParaRPr>
+          </a:p>
+        </p:txBody>
+      </p:sp>
+    </p:spTree>
+    <p:extLst>
+      <p:ext uri="{BB962C8B-B14F-4D97-AF65-F5344CB8AC3E}">
+        <p14:creationId xmlns:p14="http://schemas.microsoft.com/office/powerpoint/2010/main" val="3465888439"/>
+      </p:ext>
+    </p:extLst>
+  </p:cSld>
+  <p:clrMapOvr>
+    <a:masterClrMapping/>
+  </p:clrMapOvr>
+</p:sld>
+</file>
+
 <file path=ppt/theme/theme1.xml><?xml version="1.0" encoding="utf-8"?>
 <a:theme xmlns:a="http://schemas.openxmlformats.org/drawingml/2006/main" name="Office テーマ">
   <a:themeElements>
